--- a/ProteinClassification-V2.00.pptx
+++ b/ProteinClassification-V2.00.pptx
@@ -5,17 +5,18 @@
     <p:sldMasterId id="2147483648" r:id="rId1"/>
   </p:sldMasterIdLst>
   <p:notesMasterIdLst>
-    <p:notesMasterId r:id="rId10"/>
+    <p:notesMasterId r:id="rId11"/>
   </p:notesMasterIdLst>
   <p:sldIdLst>
     <p:sldId id="256" r:id="rId2"/>
-    <p:sldId id="257" r:id="rId3"/>
-    <p:sldId id="294" r:id="rId4"/>
-    <p:sldId id="291" r:id="rId5"/>
-    <p:sldId id="296" r:id="rId6"/>
-    <p:sldId id="292" r:id="rId7"/>
-    <p:sldId id="293" r:id="rId8"/>
-    <p:sldId id="264" r:id="rId9"/>
+    <p:sldId id="297" r:id="rId3"/>
+    <p:sldId id="257" r:id="rId4"/>
+    <p:sldId id="294" r:id="rId5"/>
+    <p:sldId id="291" r:id="rId6"/>
+    <p:sldId id="296" r:id="rId7"/>
+    <p:sldId id="292" r:id="rId8"/>
+    <p:sldId id="293" r:id="rId9"/>
+    <p:sldId id="264" r:id="rId10"/>
   </p:sldIdLst>
   <p:sldSz cx="12192000" cy="6858000"/>
   <p:notesSz cx="6858000" cy="9144000"/>
@@ -125,7 +126,7 @@
 <file path=ppt/revisionInfo.xml><?xml version="1.0" encoding="utf-8"?>
 <p1510:revInfo xmlns:a="http://schemas.openxmlformats.org/drawingml/2006/main" xmlns:r="http://schemas.openxmlformats.org/officeDocument/2006/relationships" xmlns:p1510="http://schemas.microsoft.com/office/powerpoint/2015/10/main">
   <p1510:revLst>
-    <p1510:client id="{6F15E4EF-8B38-41B9-8B10-0C62779DF0E0}" v="21" dt="2025-01-08T21:43:56.385"/>
+    <p1510:client id="{6F15E4EF-8B38-41B9-8B10-0C62779DF0E0}" v="23" dt="2025-01-08T23:02:56.448"/>
   </p1510:revLst>
 </p1510:revInfo>
 </file>
@@ -135,12 +136,12 @@
   <pc:docChgLst>
     <pc:chgData name="Arjang Fahim" userId="d99f17d917874ef7" providerId="LiveId" clId="{6F15E4EF-8B38-41B9-8B10-0C62779DF0E0}"/>
     <pc:docChg chg="undo custSel addSld delSld modSld sldOrd">
-      <pc:chgData name="Arjang Fahim" userId="d99f17d917874ef7" providerId="LiveId" clId="{6F15E4EF-8B38-41B9-8B10-0C62779DF0E0}" dt="2025-01-08T21:47:42.343" v="364" actId="20577"/>
+      <pc:chgData name="Arjang Fahim" userId="d99f17d917874ef7" providerId="LiveId" clId="{6F15E4EF-8B38-41B9-8B10-0C62779DF0E0}" dt="2025-01-08T23:07:59.703" v="476" actId="1076"/>
       <pc:docMkLst>
         <pc:docMk/>
       </pc:docMkLst>
-      <pc:sldChg chg="modSp mod">
-        <pc:chgData name="Arjang Fahim" userId="d99f17d917874ef7" providerId="LiveId" clId="{6F15E4EF-8B38-41B9-8B10-0C62779DF0E0}" dt="2025-01-08T21:47:42.343" v="364" actId="20577"/>
+      <pc:sldChg chg="addSp delSp modSp mod">
+        <pc:chgData name="Arjang Fahim" userId="d99f17d917874ef7" providerId="LiveId" clId="{6F15E4EF-8B38-41B9-8B10-0C62779DF0E0}" dt="2025-01-08T23:00:15.108" v="366" actId="22"/>
         <pc:sldMkLst>
           <pc:docMk/>
           <pc:sldMk cId="1463948486" sldId="256"/>
@@ -151,6 +152,14 @@
             <pc:docMk/>
             <pc:sldMk cId="1463948486" sldId="256"/>
             <ac:spMk id="3" creationId="{A3B0F711-A3E7-56D9-9ED1-61309670564E}"/>
+          </ac:spMkLst>
+        </pc:spChg>
+        <pc:spChg chg="add del">
+          <ac:chgData name="Arjang Fahim" userId="d99f17d917874ef7" providerId="LiveId" clId="{6F15E4EF-8B38-41B9-8B10-0C62779DF0E0}" dt="2025-01-08T23:00:15.108" v="366" actId="22"/>
+          <ac:spMkLst>
+            <pc:docMk/>
+            <pc:sldMk cId="1463948486" sldId="256"/>
+            <ac:spMk id="5" creationId="{D29BC3E2-856A-CB2F-0845-EF86DEB9B6D7}"/>
           </ac:spMkLst>
         </pc:spChg>
       </pc:sldChg>
@@ -414,6 +423,37 @@
             <pc:docMk/>
             <pc:sldMk cId="2919141026" sldId="296"/>
             <ac:picMk id="5" creationId="{E3D018ED-33A9-B93B-C667-6CB59792C949}"/>
+          </ac:picMkLst>
+        </pc:picChg>
+      </pc:sldChg>
+      <pc:sldChg chg="addSp delSp modSp new mod">
+        <pc:chgData name="Arjang Fahim" userId="d99f17d917874ef7" providerId="LiveId" clId="{6F15E4EF-8B38-41B9-8B10-0C62779DF0E0}" dt="2025-01-08T23:07:59.703" v="476" actId="1076"/>
+        <pc:sldMkLst>
+          <pc:docMk/>
+          <pc:sldMk cId="669178034" sldId="297"/>
+        </pc:sldMkLst>
+        <pc:spChg chg="del">
+          <ac:chgData name="Arjang Fahim" userId="d99f17d917874ef7" providerId="LiveId" clId="{6F15E4EF-8B38-41B9-8B10-0C62779DF0E0}" dt="2025-01-08T23:00:55.051" v="443" actId="478"/>
+          <ac:spMkLst>
+            <pc:docMk/>
+            <pc:sldMk cId="669178034" sldId="297"/>
+            <ac:spMk id="2" creationId="{51C1B00E-CD33-59A1-7A4C-327E4533EA75}"/>
+          </ac:spMkLst>
+        </pc:spChg>
+        <pc:spChg chg="mod">
+          <ac:chgData name="Arjang Fahim" userId="d99f17d917874ef7" providerId="LiveId" clId="{6F15E4EF-8B38-41B9-8B10-0C62779DF0E0}" dt="2025-01-08T23:02:59.283" v="472" actId="122"/>
+          <ac:spMkLst>
+            <pc:docMk/>
+            <pc:sldMk cId="669178034" sldId="297"/>
+            <ac:spMk id="3" creationId="{EABE16C1-DB9C-84EC-8562-360EE80A9642}"/>
+          </ac:spMkLst>
+        </pc:spChg>
+        <pc:picChg chg="add mod">
+          <ac:chgData name="Arjang Fahim" userId="d99f17d917874ef7" providerId="LiveId" clId="{6F15E4EF-8B38-41B9-8B10-0C62779DF0E0}" dt="2025-01-08T23:07:59.703" v="476" actId="1076"/>
+          <ac:picMkLst>
+            <pc:docMk/>
+            <pc:sldMk cId="669178034" sldId="297"/>
+            <ac:picMk id="5" creationId="{F8B6DEA9-1915-E20D-5066-28A9F00A1A8A}"/>
           </ac:picMkLst>
         </pc:picChg>
       </pc:sldChg>
@@ -3943,7 +3983,7 @@
           <a:p>
             <a:fld id="{4E49D813-1017-4AAA-8534-EB6BAC555898}" type="slidenum">
               <a:rPr lang="en-US" smtClean="0"/>
-              <a:t>2</a:t>
+              <a:t>3</a:t>
             </a:fld>
             <a:endParaRPr lang="en-US"/>
           </a:p>
@@ -4118,7 +4158,7 @@
           <a:p>
             <a:fld id="{4E49D813-1017-4AAA-8534-EB6BAC555898}" type="slidenum">
               <a:rPr lang="en-US" smtClean="0"/>
-              <a:t>3</a:t>
+              <a:t>4</a:t>
             </a:fld>
             <a:endParaRPr lang="en-US"/>
           </a:p>
@@ -4272,7 +4312,7 @@
           <a:p>
             <a:fld id="{4E49D813-1017-4AAA-8534-EB6BAC555898}" type="slidenum">
               <a:rPr lang="en-US" smtClean="0"/>
-              <a:t>4</a:t>
+              <a:t>5</a:t>
             </a:fld>
             <a:endParaRPr lang="en-US"/>
           </a:p>
@@ -4426,7 +4466,7 @@
           <a:p>
             <a:fld id="{4E49D813-1017-4AAA-8534-EB6BAC555898}" type="slidenum">
               <a:rPr lang="en-US" smtClean="0"/>
-              <a:t>5</a:t>
+              <a:t>6</a:t>
             </a:fld>
             <a:endParaRPr lang="en-US"/>
           </a:p>
@@ -4690,7 +4730,7 @@
           <a:p>
             <a:fld id="{4E49D813-1017-4AAA-8534-EB6BAC555898}" type="slidenum">
               <a:rPr lang="en-US" smtClean="0"/>
-              <a:t>6</a:t>
+              <a:t>7</a:t>
             </a:fld>
             <a:endParaRPr lang="en-US"/>
           </a:p>
@@ -4954,7 +4994,7 @@
           <a:p>
             <a:fld id="{4E49D813-1017-4AAA-8534-EB6BAC555898}" type="slidenum">
               <a:rPr lang="en-US" smtClean="0"/>
-              <a:t>7</a:t>
+              <a:t>8</a:t>
             </a:fld>
             <a:endParaRPr lang="en-US"/>
           </a:p>
@@ -8760,6 +8800,120 @@
       </p:grpSpPr>
       <p:sp>
         <p:nvSpPr>
+          <p:cNvPr id="3" name="Content Placeholder 2">
+            <a:extLst>
+              <a:ext uri="{FF2B5EF4-FFF2-40B4-BE49-F238E27FC236}">
+                <a16:creationId xmlns:a16="http://schemas.microsoft.com/office/drawing/2014/main" id="{EABE16C1-DB9C-84EC-8562-360EE80A9642}"/>
+              </a:ext>
+            </a:extLst>
+          </p:cNvPr>
+          <p:cNvSpPr>
+            <a:spLocks noGrp="1"/>
+          </p:cNvSpPr>
+          <p:nvPr>
+            <p:ph idx="1"/>
+          </p:nvPr>
+        </p:nvSpPr>
+        <p:spPr>
+          <a:xfrm>
+            <a:off x="694980" y="1065462"/>
+            <a:ext cx="10515600" cy="4351338"/>
+          </a:xfrm>
+        </p:spPr>
+        <p:txBody>
+          <a:bodyPr/>
+          <a:lstStyle/>
+          <a:p>
+            <a:pPr marL="0" indent="0" algn="ctr">
+              <a:buNone/>
+            </a:pPr>
+            <a:r>
+              <a:rPr lang="en-US" dirty="0"/>
+              <a:t>                 Download link for the presentation and data</a:t>
+            </a:r>
+          </a:p>
+          <a:p>
+            <a:pPr marL="0" indent="0">
+              <a:buNone/>
+            </a:pPr>
+            <a:endParaRPr lang="en-US" dirty="0"/>
+          </a:p>
+          <a:p>
+            <a:pPr marL="457200" lvl="1" indent="0" algn="ctr">
+              <a:buNone/>
+            </a:pPr>
+            <a:r>
+              <a:rPr lang="en-US" sz="3200" dirty="0">
+                <a:hlinkClick r:id="rId2"/>
+              </a:rPr>
+              <a:t>https://github.com/arjangvt/CSUBiotechSymposium</a:t>
+            </a:r>
+            <a:endParaRPr lang="en-US" sz="3200" dirty="0"/>
+          </a:p>
+        </p:txBody>
+      </p:sp>
+      <p:pic>
+        <p:nvPicPr>
+          <p:cNvPr id="5" name="Picture 4">
+            <a:extLst>
+              <a:ext uri="{FF2B5EF4-FFF2-40B4-BE49-F238E27FC236}">
+                <a16:creationId xmlns:a16="http://schemas.microsoft.com/office/drawing/2014/main" id="{F8B6DEA9-1915-E20D-5066-28A9F00A1A8A}"/>
+              </a:ext>
+            </a:extLst>
+          </p:cNvPr>
+          <p:cNvPicPr>
+            <a:picLocks noChangeAspect="1"/>
+          </p:cNvPicPr>
+          <p:nvPr/>
+        </p:nvPicPr>
+        <p:blipFill>
+          <a:blip r:embed="rId3"/>
+          <a:stretch>
+            <a:fillRect/>
+          </a:stretch>
+        </p:blipFill>
+        <p:spPr>
+          <a:xfrm>
+            <a:off x="4655252" y="2940051"/>
+            <a:ext cx="2881495" cy="2852487"/>
+          </a:xfrm>
+          <a:prstGeom prst="rect">
+            <a:avLst/>
+          </a:prstGeom>
+        </p:spPr>
+      </p:pic>
+    </p:spTree>
+    <p:extLst>
+      <p:ext uri="{BB962C8B-B14F-4D97-AF65-F5344CB8AC3E}">
+        <p14:creationId xmlns:p14="http://schemas.microsoft.com/office/powerpoint/2010/main" val="669178034"/>
+      </p:ext>
+    </p:extLst>
+  </p:cSld>
+  <p:clrMapOvr>
+    <a:masterClrMapping/>
+  </p:clrMapOvr>
+</p:sld>
+</file>
+
+<file path=ppt/slides/slide3.xml><?xml version="1.0" encoding="utf-8"?>
+<p:sld xmlns:a="http://schemas.openxmlformats.org/drawingml/2006/main" xmlns:r="http://schemas.openxmlformats.org/officeDocument/2006/relationships" xmlns:p="http://schemas.openxmlformats.org/presentationml/2006/main">
+  <p:cSld>
+    <p:spTree>
+      <p:nvGrpSpPr>
+        <p:cNvPr id="1" name=""/>
+        <p:cNvGrpSpPr/>
+        <p:nvPr/>
+      </p:nvGrpSpPr>
+      <p:grpSpPr>
+        <a:xfrm>
+          <a:off x="0" y="0"/>
+          <a:ext cx="0" cy="0"/>
+          <a:chOff x="0" y="0"/>
+          <a:chExt cx="0" cy="0"/>
+        </a:xfrm>
+      </p:grpSpPr>
+      <p:sp>
+        <p:nvSpPr>
           <p:cNvPr id="2" name="Title 1">
             <a:extLst>
               <a:ext uri="{FF2B5EF4-FFF2-40B4-BE49-F238E27FC236}">
@@ -9025,7 +9179,7 @@
 </p:sld>
 </file>
 
-<file path=ppt/slides/slide3.xml><?xml version="1.0" encoding="utf-8"?>
+<file path=ppt/slides/slide4.xml><?xml version="1.0" encoding="utf-8"?>
 <p:sld xmlns:a="http://schemas.openxmlformats.org/drawingml/2006/main" xmlns:r="http://schemas.openxmlformats.org/officeDocument/2006/relationships" xmlns:p="http://schemas.openxmlformats.org/presentationml/2006/main">
   <p:cSld>
     <p:spTree>
@@ -9717,7 +9871,7 @@
 </p:sld>
 </file>
 
-<file path=ppt/slides/slide4.xml><?xml version="1.0" encoding="utf-8"?>
+<file path=ppt/slides/slide5.xml><?xml version="1.0" encoding="utf-8"?>
 <p:sld xmlns:a="http://schemas.openxmlformats.org/drawingml/2006/main" xmlns:r="http://schemas.openxmlformats.org/officeDocument/2006/relationships" xmlns:p="http://schemas.openxmlformats.org/presentationml/2006/main">
   <p:cSld>
     <p:spTree>
@@ -9885,7 +10039,7 @@
 </p:sld>
 </file>
 
-<file path=ppt/slides/slide5.xml><?xml version="1.0" encoding="utf-8"?>
+<file path=ppt/slides/slide6.xml><?xml version="1.0" encoding="utf-8"?>
 <p:sld xmlns:a="http://schemas.openxmlformats.org/drawingml/2006/main" xmlns:r="http://schemas.openxmlformats.org/officeDocument/2006/relationships" xmlns:p="http://schemas.openxmlformats.org/presentationml/2006/main">
   <p:cSld>
     <p:spTree>
@@ -10896,7 +11050,7 @@
 </p:sld>
 </file>
 
-<file path=ppt/slides/slide6.xml><?xml version="1.0" encoding="utf-8"?>
+<file path=ppt/slides/slide7.xml><?xml version="1.0" encoding="utf-8"?>
 <p:sld xmlns:a="http://schemas.openxmlformats.org/drawingml/2006/main" xmlns:r="http://schemas.openxmlformats.org/officeDocument/2006/relationships" xmlns:p="http://schemas.openxmlformats.org/presentationml/2006/main">
   <p:cSld>
     <p:spTree>
@@ -11112,7 +11266,7 @@
 </p:sld>
 </file>
 
-<file path=ppt/slides/slide7.xml><?xml version="1.0" encoding="utf-8"?>
+<file path=ppt/slides/slide8.xml><?xml version="1.0" encoding="utf-8"?>
 <p:sld xmlns:a="http://schemas.openxmlformats.org/drawingml/2006/main" xmlns:r="http://schemas.openxmlformats.org/officeDocument/2006/relationships" xmlns:p="http://schemas.openxmlformats.org/presentationml/2006/main">
   <p:cSld>
     <p:spTree>
@@ -11324,7 +11478,7 @@
 </p:sld>
 </file>
 
-<file path=ppt/slides/slide8.xml><?xml version="1.0" encoding="utf-8"?>
+<file path=ppt/slides/slide9.xml><?xml version="1.0" encoding="utf-8"?>
 <p:sld xmlns:a="http://schemas.openxmlformats.org/drawingml/2006/main" xmlns:r="http://schemas.openxmlformats.org/officeDocument/2006/relationships" xmlns:p="http://schemas.openxmlformats.org/presentationml/2006/main">
   <p:cSld>
     <p:spTree>
@@ -11878,7 +12032,7 @@
             <a:fld id="{00000000-1234-1234-1234-123412341234}" type="slidenum">
               <a:rPr lang="en"/>
               <a:pPr/>
-              <a:t>8</a:t>
+              <a:t>9</a:t>
             </a:fld>
             <a:endParaRPr/>
           </a:p>
